--- a/files/8.1)HypothesisTesting_BA2551.pptx
+++ b/files/8.1)HypothesisTesting_BA2551.pptx
@@ -13476,8 +13476,8 @@
         </p:nvSpPr>
         <p:spPr>
           <a:xfrm>
-            <a:off x="3945711" y="4760873"/>
-            <a:ext cx="6478607" cy="1456752"/>
+            <a:off x="3736598" y="4762233"/>
+            <a:ext cx="4190370" cy="1456752"/>
           </a:xfrm>
           <a:prstGeom prst="rect">
             <a:avLst/>
@@ -13493,7 +13493,7 @@
         </p:spPr>
         <p:txBody>
           <a:bodyPr vert="horz" lIns="91440" tIns="45720" rIns="91440" bIns="45720" rtlCol="0" anchor="ctr">
-            <a:normAutofit fontScale="92500" lnSpcReduction="10000"/>
+            <a:normAutofit fontScale="92500" lnSpcReduction="20000"/>
           </a:bodyPr>
           <a:lstStyle>
             <a:lvl1pPr algn="l" defTabSz="914400" rtl="0" eaLnBrk="1" latinLnBrk="0" hangingPunct="1">
@@ -13526,6 +13526,21 @@
           </a:p>
           <a:p>
             <a:r>
+              <a:rPr lang="en-US" sz="1600" dirty="0">
+                <a:solidFill>
+                  <a:schemeClr val="accent1"/>
+                </a:solidFill>
+              </a:rPr>
+              <a:t>#pvalue approach</a:t>
+            </a:r>
+            <a:endParaRPr lang="en-US" sz="1600" u="sng" dirty="0">
+              <a:solidFill>
+                <a:schemeClr val="accent1"/>
+              </a:solidFill>
+            </a:endParaRPr>
+          </a:p>
+          <a:p>
+            <a:r>
               <a:rPr lang="en-US" sz="1600" dirty="0" err="1">
                 <a:solidFill>
                   <a:schemeClr val="accent1"/>
@@ -13539,7 +13554,7 @@
                   <a:schemeClr val="accent1"/>
                 </a:solidFill>
               </a:rPr>
-              <a:t> &lt;- 24.9; mu0 &lt;-25.2; sigma &lt;- 0.7; n &lt;- 30 #inputs same line with ;</a:t>
+              <a:t> &lt;- 24.9; mu0 &lt;-25.2; sigma &lt;- 0.7; n &lt;- 30</a:t>
             </a:r>
           </a:p>
           <a:p>
@@ -13549,15 +13564,17 @@
                   <a:schemeClr val="accent1"/>
                 </a:solidFill>
               </a:rPr>
-              <a:t>se &lt;- sigma / </a:t>
-            </a:r>
+              <a:t>se &lt;- sigma / sqrt(n)</a:t>
+            </a:r>
+          </a:p>
+          <a:p>
             <a:r>
               <a:rPr lang="en-US" sz="1600" dirty="0" err="1">
                 <a:solidFill>
                   <a:schemeClr val="accent1"/>
                 </a:solidFill>
               </a:rPr>
-              <a:t>sqrt</a:t>
+              <a:t>zobs</a:t>
             </a:r>
             <a:r>
               <a:rPr lang="en-US" sz="1600" dirty="0">
@@ -13565,7 +13582,7 @@
                   <a:schemeClr val="accent1"/>
                 </a:solidFill>
               </a:rPr>
-              <a:t>(n)</a:t>
+              <a:t> &lt;-  (xbar-mu0)/se</a:t>
             </a:r>
           </a:p>
           <a:p>
@@ -13575,7 +13592,7 @@
                   <a:schemeClr val="accent1"/>
                 </a:solidFill>
               </a:rPr>
-              <a:t>zobs</a:t>
+              <a:t>pvalue</a:t>
             </a:r>
             <a:r>
               <a:rPr lang="en-US" sz="1600" dirty="0">
@@ -13583,17 +13600,15 @@
                   <a:schemeClr val="accent1"/>
                 </a:solidFill>
               </a:rPr>
-              <a:t> &lt;-  (xbar-mu0)/se</a:t>
-            </a:r>
-          </a:p>
-          <a:p>
+              <a:t> &lt;- 2*</a:t>
+            </a:r>
             <a:r>
               <a:rPr lang="en-US" sz="1600" dirty="0" err="1">
                 <a:solidFill>
                   <a:schemeClr val="accent1"/>
                 </a:solidFill>
               </a:rPr>
-              <a:t>pvalue</a:t>
+              <a:t>pnorm</a:t>
             </a:r>
             <a:r>
               <a:rPr lang="en-US" sz="1600" dirty="0">
@@ -13601,7 +13616,7 @@
                   <a:schemeClr val="accent1"/>
                 </a:solidFill>
               </a:rPr>
-              <a:t> &lt;- 2*</a:t>
+              <a:t>( - abs( </a:t>
             </a:r>
             <a:r>
               <a:rPr lang="en-US" sz="1600" dirty="0" err="1">
@@ -13609,7 +13624,7 @@
                   <a:schemeClr val="accent1"/>
                 </a:solidFill>
               </a:rPr>
-              <a:t>pnorm</a:t>
+              <a:t>zobs</a:t>
             </a:r>
             <a:r>
               <a:rPr lang="en-US" sz="1600" dirty="0">
@@ -13617,50 +13632,23 @@
                   <a:schemeClr val="accent1"/>
                 </a:solidFill>
               </a:rPr>
-              <a:t>( - abs( </a:t>
-            </a:r>
+              <a:t> ) )</a:t>
+            </a:r>
+          </a:p>
+          <a:p>
             <a:r>
               <a:rPr lang="en-US" sz="1600" dirty="0" err="1">
                 <a:solidFill>
                   <a:schemeClr val="accent1"/>
                 </a:solidFill>
               </a:rPr>
-              <a:t>zobs</a:t>
-            </a:r>
-            <a:r>
-              <a:rPr lang="en-US" sz="1600" dirty="0">
-                <a:solidFill>
-                  <a:schemeClr val="accent1"/>
-                </a:solidFill>
-              </a:rPr>
-              <a:t> ) )</a:t>
-            </a:r>
-          </a:p>
-          <a:p>
-            <a:r>
-              <a:rPr lang="en-US" sz="1600" dirty="0">
-                <a:solidFill>
-                  <a:schemeClr val="accent1"/>
-                </a:solidFill>
-              </a:rPr>
-              <a:t>print(</a:t>
-            </a:r>
-            <a:r>
-              <a:rPr lang="en-US" sz="1600" dirty="0" err="1">
-                <a:solidFill>
-                  <a:schemeClr val="accent1"/>
-                </a:solidFill>
-              </a:rPr>
               <a:t>pvalue</a:t>
             </a:r>
-            <a:r>
-              <a:rPr lang="en-US" sz="1600" dirty="0">
-                <a:solidFill>
-                  <a:schemeClr val="accent1"/>
-                </a:solidFill>
-              </a:rPr>
-              <a:t>)</a:t>
-            </a:r>
+            <a:endParaRPr lang="en-US" sz="1600" dirty="0">
+              <a:solidFill>
+                <a:schemeClr val="accent1"/>
+              </a:solidFill>
+            </a:endParaRPr>
           </a:p>
           <a:p>
             <a:r>
@@ -15125,6 +15113,266 @@
           </a:p>
         </p:txBody>
       </p:sp>
+      <p:sp>
+        <p:nvSpPr>
+          <p:cNvPr id="3" name="Rectangle 2">
+            <a:extLst>
+              <a:ext uri="{FF2B5EF4-FFF2-40B4-BE49-F238E27FC236}">
+                <a16:creationId xmlns:a16="http://schemas.microsoft.com/office/drawing/2014/main" id="{A2D23402-0EE0-7248-391B-99BA310B72FD}"/>
+              </a:ext>
+            </a:extLst>
+          </p:cNvPr>
+          <p:cNvSpPr txBox="1">
+            <a:spLocks noChangeArrowheads="1"/>
+          </p:cNvSpPr>
+          <p:nvPr/>
+        </p:nvSpPr>
+        <p:spPr>
+          <a:xfrm>
+            <a:off x="7926968" y="4832841"/>
+            <a:ext cx="4190370" cy="1456753"/>
+          </a:xfrm>
+          <a:prstGeom prst="rect">
+            <a:avLst/>
+          </a:prstGeom>
+          <a:solidFill>
+            <a:schemeClr val="bg1">
+              <a:alpha val="75000"/>
+            </a:schemeClr>
+          </a:solidFill>
+          <a:ln>
+            <a:noFill/>
+          </a:ln>
+        </p:spPr>
+        <p:txBody>
+          <a:bodyPr vert="horz" lIns="91440" tIns="45720" rIns="91440" bIns="45720" rtlCol="0" anchor="ctr">
+            <a:normAutofit fontScale="92500" lnSpcReduction="20000"/>
+          </a:bodyPr>
+          <a:lstStyle>
+            <a:lvl1pPr algn="l" defTabSz="914400" rtl="0" eaLnBrk="1" latinLnBrk="0" hangingPunct="1">
+              <a:lnSpc>
+                <a:spcPct val="90000"/>
+              </a:lnSpc>
+              <a:spcBef>
+                <a:spcPct val="0"/>
+              </a:spcBef>
+              <a:buNone/>
+              <a:defRPr sz="4400" b="0" i="0" u="none" kern="1200">
+                <a:solidFill>
+                  <a:srgbClr val="650013"/>
+                </a:solidFill>
+                <a:latin typeface="Arial" panose="020B0604020202020204" pitchFamily="34" charset="0"/>
+                <a:ea typeface="+mj-ea"/>
+                <a:cs typeface="Arial" panose="020B0604020202020204" pitchFamily="34" charset="0"/>
+              </a:defRPr>
+            </a:lvl1pPr>
+          </a:lstStyle>
+          <a:p>
+            <a:r>
+              <a:rPr lang="en-US" sz="1600" u="sng" dirty="0">
+                <a:solidFill>
+                  <a:schemeClr val="accent1"/>
+                </a:solidFill>
+              </a:rPr>
+              <a:t>R Script</a:t>
+            </a:r>
+          </a:p>
+          <a:p>
+            <a:r>
+              <a:rPr lang="en-US" sz="1600" dirty="0">
+                <a:solidFill>
+                  <a:schemeClr val="accent1"/>
+                </a:solidFill>
+              </a:rPr>
+              <a:t>#crit value approach</a:t>
+            </a:r>
+            <a:endParaRPr lang="en-US" sz="1600" u="sng" dirty="0">
+              <a:solidFill>
+                <a:schemeClr val="accent1"/>
+              </a:solidFill>
+            </a:endParaRPr>
+          </a:p>
+          <a:p>
+            <a:r>
+              <a:rPr lang="en-US" sz="1600" dirty="0" err="1">
+                <a:solidFill>
+                  <a:schemeClr val="accent1"/>
+                </a:solidFill>
+              </a:rPr>
+              <a:t>xbar</a:t>
+            </a:r>
+            <a:r>
+              <a:rPr lang="en-US" sz="1600" dirty="0">
+                <a:solidFill>
+                  <a:schemeClr val="accent1"/>
+                </a:solidFill>
+              </a:rPr>
+              <a:t> &lt;- 24.9; mu0 &lt;-25.2; sigma &lt;- 0.7; n &lt;- 30</a:t>
+            </a:r>
+          </a:p>
+          <a:p>
+            <a:r>
+              <a:rPr lang="en-US" sz="1600" dirty="0">
+                <a:solidFill>
+                  <a:schemeClr val="accent1"/>
+                </a:solidFill>
+              </a:rPr>
+              <a:t>se &lt;- sigma / sqrt(n)</a:t>
+            </a:r>
+          </a:p>
+          <a:p>
+            <a:r>
+              <a:rPr lang="en-US" sz="1600" dirty="0" err="1">
+                <a:solidFill>
+                  <a:schemeClr val="accent1"/>
+                </a:solidFill>
+              </a:rPr>
+              <a:t>zobs</a:t>
+            </a:r>
+            <a:r>
+              <a:rPr lang="en-US" sz="1600" dirty="0">
+                <a:solidFill>
+                  <a:schemeClr val="accent1"/>
+                </a:solidFill>
+              </a:rPr>
+              <a:t> &lt;-  (xbar-mu0)/se # -2.35</a:t>
+            </a:r>
+          </a:p>
+          <a:p>
+            <a:r>
+              <a:rPr lang="en-US" sz="1600" dirty="0">
+                <a:solidFill>
+                  <a:schemeClr val="accent1"/>
+                </a:solidFill>
+              </a:rPr>
+              <a:t>alpha&lt;- 0.01; </a:t>
+            </a:r>
+            <a:r>
+              <a:rPr lang="en-US" sz="1600" dirty="0" err="1">
+                <a:solidFill>
+                  <a:schemeClr val="accent1"/>
+                </a:solidFill>
+              </a:rPr>
+              <a:t>zalpha</a:t>
+            </a:r>
+            <a:r>
+              <a:rPr lang="en-US" sz="1600" dirty="0">
+                <a:solidFill>
+                  <a:schemeClr val="accent1"/>
+                </a:solidFill>
+              </a:rPr>
+              <a:t>&lt;-</a:t>
+            </a:r>
+            <a:r>
+              <a:rPr lang="en-US" sz="1600" dirty="0" err="1">
+                <a:solidFill>
+                  <a:schemeClr val="accent1"/>
+                </a:solidFill>
+              </a:rPr>
+              <a:t>qnorm</a:t>
+            </a:r>
+            <a:r>
+              <a:rPr lang="en-US" sz="1600" dirty="0">
+                <a:solidFill>
+                  <a:schemeClr val="accent1"/>
+                </a:solidFill>
+              </a:rPr>
+              <a:t>(alpha/2) #-2.58</a:t>
+            </a:r>
+          </a:p>
+          <a:p>
+            <a:r>
+              <a:rPr lang="en-US" sz="1600" dirty="0">
+                <a:solidFill>
+                  <a:schemeClr val="accent1"/>
+                </a:solidFill>
+              </a:rPr>
+              <a:t>alpha&lt;-.05; </a:t>
+            </a:r>
+            <a:r>
+              <a:rPr lang="en-US" sz="1600" dirty="0" err="1">
+                <a:solidFill>
+                  <a:schemeClr val="accent1"/>
+                </a:solidFill>
+              </a:rPr>
+              <a:t>zalpha</a:t>
+            </a:r>
+            <a:r>
+              <a:rPr lang="en-US" sz="1600" dirty="0">
+                <a:solidFill>
+                  <a:schemeClr val="accent1"/>
+                </a:solidFill>
+              </a:rPr>
+              <a:t>&lt;-</a:t>
+            </a:r>
+            <a:r>
+              <a:rPr lang="en-US" sz="1600" dirty="0" err="1">
+                <a:solidFill>
+                  <a:schemeClr val="accent1"/>
+                </a:solidFill>
+              </a:rPr>
+              <a:t>qnorm</a:t>
+            </a:r>
+            <a:r>
+              <a:rPr lang="en-US" sz="1600" dirty="0">
+                <a:solidFill>
+                  <a:schemeClr val="accent1"/>
+                </a:solidFill>
+              </a:rPr>
+              <a:t>(alpha/2) # -1.96</a:t>
+            </a:r>
+          </a:p>
+          <a:p>
+            <a:r>
+              <a:rPr lang="en-US" sz="1600" dirty="0">
+                <a:solidFill>
+                  <a:schemeClr val="accent1"/>
+                </a:solidFill>
+              </a:rPr>
+              <a:t>alpha&lt;-.10; </a:t>
+            </a:r>
+            <a:r>
+              <a:rPr lang="en-US" sz="1600" dirty="0" err="1">
+                <a:solidFill>
+                  <a:schemeClr val="accent1"/>
+                </a:solidFill>
+              </a:rPr>
+              <a:t>zalpha</a:t>
+            </a:r>
+            <a:r>
+              <a:rPr lang="en-US" sz="1600" dirty="0">
+                <a:solidFill>
+                  <a:schemeClr val="accent1"/>
+                </a:solidFill>
+              </a:rPr>
+              <a:t>&lt;-</a:t>
+            </a:r>
+            <a:r>
+              <a:rPr lang="en-US" sz="1600" dirty="0" err="1">
+                <a:solidFill>
+                  <a:schemeClr val="accent1"/>
+                </a:solidFill>
+              </a:rPr>
+              <a:t>qnorm</a:t>
+            </a:r>
+            <a:r>
+              <a:rPr lang="en-US" sz="1600" dirty="0">
+                <a:solidFill>
+                  <a:schemeClr val="accent1"/>
+                </a:solidFill>
+              </a:rPr>
+              <a:t>(alpha/2) # -1.65</a:t>
+            </a:r>
+          </a:p>
+          <a:p>
+            <a:endParaRPr lang="en-US" sz="1600" dirty="0">
+              <a:solidFill>
+                <a:schemeClr val="accent1"/>
+              </a:solidFill>
+            </a:endParaRPr>
+          </a:p>
+        </p:txBody>
+      </p:sp>
     </p:spTree>
     <p:extLst>
       <p:ext uri="{BB962C8B-B14F-4D97-AF65-F5344CB8AC3E}">
@@ -15345,6 +15593,33 @@
                                   </p:childTnLst>
                                 </p:cTn>
                               </p:par>
+                              <p:par>
+                                <p:cTn id="19" presetID="1" presetClass="entr" presetSubtype="0" fill="hold" grpId="0" nodeType="withEffect">
+                                  <p:stCondLst>
+                                    <p:cond delay="0"/>
+                                  </p:stCondLst>
+                                  <p:childTnLst>
+                                    <p:set>
+                                      <p:cBhvr>
+                                        <p:cTn id="20" dur="1" fill="hold">
+                                          <p:stCondLst>
+                                            <p:cond delay="0"/>
+                                          </p:stCondLst>
+                                        </p:cTn>
+                                        <p:tgtEl>
+                                          <p:spTgt spid="3"/>
+                                        </p:tgtEl>
+                                        <p:attrNameLst>
+                                          <p:attrName>style.visibility</p:attrName>
+                                        </p:attrNameLst>
+                                      </p:cBhvr>
+                                      <p:to>
+                                        <p:strVal val="visible"/>
+                                      </p:to>
+                                    </p:set>
+                                  </p:childTnLst>
+                                </p:cTn>
+                              </p:par>
                             </p:childTnLst>
                           </p:cTn>
                         </p:par>
@@ -15379,6 +15654,7 @@
       <p:bldP spid="35" grpId="0"/>
       <p:bldP spid="36" grpId="0"/>
       <p:bldP spid="38" grpId="0"/>
+      <p:bldP spid="3" grpId="0" animBg="1"/>
     </p:bldLst>
   </p:timing>
 </p:sld>
@@ -15510,7 +15786,7 @@
         <p:spPr>
           <a:xfrm>
             <a:off x="0" y="3103227"/>
-            <a:ext cx="11305309" cy="2456057"/>
+            <a:ext cx="11305309" cy="3046988"/>
           </a:xfrm>
           <a:prstGeom prst="rect">
             <a:avLst/>
@@ -15562,9 +15838,20 @@
             <a:r>
               <a:rPr lang="en-US" dirty="0">
                 <a:latin typeface="+mn-lt"/>
-                <a:sym typeface="Symbol" pitchFamily="18" charset="2"/>
-              </a:rPr>
-              <a:t>Identify Type I and II errors and potential costs.  Which is worse?  Do you think a small (.01), medium (.05), or large (.10) alpha is more appropriate?</a:t>
+              </a:rPr>
+              <a:t>Test at the 0.05 level of significance.  </a:t>
+            </a:r>
+            <a:r>
+              <a:rPr lang="en-US" b="1" dirty="0">
+                <a:latin typeface="+mn-lt"/>
+              </a:rPr>
+              <a:t>Show all steps</a:t>
+            </a:r>
+            <a:r>
+              <a:rPr lang="en-US" dirty="0">
+                <a:latin typeface="+mn-lt"/>
+              </a:rPr>
+              <a:t>: set up the null and alternative hypothesis and make a determination based on the p-value approach. Show the calculations in R.</a:t>
             </a:r>
           </a:p>
           <a:p>
@@ -15577,6 +15864,33 @@
             </a:pPr>
             <a:endParaRPr lang="en-US" dirty="0">
               <a:latin typeface="+mn-lt"/>
+            </a:endParaRPr>
+          </a:p>
+          <a:p>
+            <a:pPr marL="990600" lvl="1" indent="-533400">
+              <a:lnSpc>
+                <a:spcPct val="80000"/>
+              </a:lnSpc>
+              <a:buFontTx/>
+              <a:buAutoNum type="alphaLcPeriod"/>
+            </a:pPr>
+            <a:r>
+              <a:rPr lang="en-US" dirty="0">
+                <a:latin typeface="+mj-lt"/>
+                <a:sym typeface="Symbol" pitchFamily="18" charset="2"/>
+              </a:rPr>
+              <a:t>Identify Type I and II errors and potential costs.  Which is worse?  Do you think a small (.01), medium (.05), or large (.10) alpha is more appropriate?</a:t>
+            </a:r>
+          </a:p>
+          <a:p>
+            <a:pPr marL="990600" lvl="1" indent="-533400">
+              <a:lnSpc>
+                <a:spcPct val="80000"/>
+              </a:lnSpc>
+              <a:buFontTx/>
+              <a:buAutoNum type="alphaLcPeriod"/>
+            </a:pPr>
+            <a:endParaRPr lang="en-US" dirty="0">
               <a:sym typeface="Symbol" pitchFamily="18" charset="2"/>
             </a:endParaRPr>
           </a:p>
@@ -15588,24 +15902,9 @@
               <a:buFontTx/>
               <a:buAutoNum type="alphaLcPeriod"/>
             </a:pPr>
-            <a:r>
-              <a:rPr lang="en-US" dirty="0">
-                <a:latin typeface="+mn-lt"/>
-              </a:rPr>
-              <a:t>Test at the 0.05 level of significance.  </a:t>
-            </a:r>
-            <a:r>
-              <a:rPr lang="en-US" b="1" dirty="0">
-                <a:latin typeface="+mn-lt"/>
-              </a:rPr>
-              <a:t>Show all steps</a:t>
-            </a:r>
-            <a:r>
-              <a:rPr lang="en-US" dirty="0">
-                <a:latin typeface="+mn-lt"/>
-              </a:rPr>
-              <a:t>: set up the null and alternative hypothesis and make a determination based on the p-value approach. Show the calculations in R.</a:t>
-            </a:r>
+            <a:endParaRPr lang="en-US" dirty="0">
+              <a:latin typeface="+mn-lt"/>
+            </a:endParaRPr>
           </a:p>
         </p:txBody>
       </p:sp>
@@ -15623,7 +15922,7 @@
         </p:nvSpPr>
         <p:spPr>
           <a:xfrm>
-            <a:off x="439187" y="5691997"/>
+            <a:off x="439187" y="5750105"/>
             <a:ext cx="7592986" cy="400110"/>
           </a:xfrm>
           <a:prstGeom prst="rect">
@@ -15641,7 +15940,7 @@
               <a:rPr lang="en-US" sz="2000" i="1" dirty="0">
                 <a:latin typeface="+mn-lt"/>
               </a:rPr>
-              <a:t>(If you have extra time, try the critical value approach)</a:t>
+              <a:t>(If you have extra time, try the critical value approach for part b)</a:t>
             </a:r>
           </a:p>
         </p:txBody>
